--- a/Document/LandSoft.pptx
+++ b/Document/LandSoft.pptx
@@ -240,7 +240,7 @@
           <a:p>
             <a:fld id="{BA7438BF-EE4E-448A-8620-921BA2053784}" type="datetimeFigureOut">
               <a:rPr lang="en-US" smtClean="0"/>
-              <a:t>6/29/2020</a:t>
+              <a:t>7/2/2020</a:t>
             </a:fld>
             <a:endParaRPr lang="en-US"/>
           </a:p>
@@ -1876,7 +1876,7 @@
           <a:p>
             <a:fld id="{A251EF10-EBB3-4BF3-BF18-D021BCA22A9F}" type="datetimeFigureOut">
               <a:rPr lang="en-US" smtClean="0"/>
-              <a:t>6/29/2020</a:t>
+              <a:t>7/2/2020</a:t>
             </a:fld>
             <a:endParaRPr lang="en-US"/>
           </a:p>
@@ -2040,7 +2040,7 @@
           <a:p>
             <a:fld id="{A251EF10-EBB3-4BF3-BF18-D021BCA22A9F}" type="datetimeFigureOut">
               <a:rPr lang="en-US" smtClean="0"/>
-              <a:t>6/29/2020</a:t>
+              <a:t>7/2/2020</a:t>
             </a:fld>
             <a:endParaRPr lang="en-US"/>
           </a:p>
@@ -2214,7 +2214,7 @@
           <a:p>
             <a:fld id="{A251EF10-EBB3-4BF3-BF18-D021BCA22A9F}" type="datetimeFigureOut">
               <a:rPr lang="en-US" smtClean="0"/>
-              <a:t>6/29/2020</a:t>
+              <a:t>7/2/2020</a:t>
             </a:fld>
             <a:endParaRPr lang="en-US"/>
           </a:p>
@@ -2740,7 +2740,7 @@
                 </a:solidFill>
               </a:rPr>
               <a:pPr/>
-              <a:t>6/29/2020</a:t>
+              <a:t>7/2/2020</a:t>
             </a:fld>
             <a:endParaRPr lang="en-US">
               <a:solidFill>
@@ -2990,7 +2990,7 @@
                 </a:solidFill>
               </a:rPr>
               <a:pPr/>
-              <a:t>6/29/2020</a:t>
+              <a:t>7/2/2020</a:t>
             </a:fld>
             <a:endParaRPr lang="en-US">
               <a:solidFill>
@@ -3605,7 +3605,7 @@
                 </a:solidFill>
               </a:rPr>
               <a:pPr/>
-              <a:t>6/29/2020</a:t>
+              <a:t>7/2/2020</a:t>
             </a:fld>
             <a:endParaRPr lang="en-US">
               <a:solidFill>
@@ -3951,7 +3951,7 @@
                 </a:solidFill>
               </a:rPr>
               <a:pPr/>
-              <a:t>6/29/2020</a:t>
+              <a:t>7/2/2020</a:t>
             </a:fld>
             <a:endParaRPr lang="en-US">
               <a:solidFill>
@@ -4432,7 +4432,7 @@
                 </a:solidFill>
               </a:rPr>
               <a:pPr/>
-              <a:t>6/29/2020</a:t>
+              <a:t>7/2/2020</a:t>
             </a:fld>
             <a:endParaRPr lang="en-US">
               <a:solidFill>
@@ -4594,7 +4594,7 @@
                 </a:solidFill>
               </a:rPr>
               <a:pPr/>
-              <a:t>6/29/2020</a:t>
+              <a:t>7/2/2020</a:t>
             </a:fld>
             <a:endParaRPr lang="en-US">
               <a:solidFill>
@@ -4733,7 +4733,7 @@
                 </a:solidFill>
               </a:rPr>
               <a:pPr/>
-              <a:t>6/29/2020</a:t>
+              <a:t>7/2/2020</a:t>
             </a:fld>
             <a:endParaRPr lang="en-US">
               <a:solidFill>
@@ -5159,7 +5159,7 @@
                 </a:solidFill>
               </a:rPr>
               <a:pPr/>
-              <a:t>6/29/2020</a:t>
+              <a:t>7/2/2020</a:t>
             </a:fld>
             <a:endParaRPr lang="en-US">
               <a:solidFill>
@@ -5421,7 +5421,7 @@
           <a:p>
             <a:fld id="{A251EF10-EBB3-4BF3-BF18-D021BCA22A9F}" type="datetimeFigureOut">
               <a:rPr lang="en-US" smtClean="0"/>
-              <a:t>6/29/2020</a:t>
+              <a:t>7/2/2020</a:t>
             </a:fld>
             <a:endParaRPr lang="en-US"/>
           </a:p>
@@ -5761,7 +5761,7 @@
                 </a:solidFill>
               </a:rPr>
               <a:pPr/>
-              <a:t>6/29/2020</a:t>
+              <a:t>7/2/2020</a:t>
             </a:fld>
             <a:endParaRPr lang="en-US">
               <a:solidFill>
@@ -6045,7 +6045,7 @@
                 </a:solidFill>
               </a:rPr>
               <a:pPr/>
-              <a:t>6/29/2020</a:t>
+              <a:t>7/2/2020</a:t>
             </a:fld>
             <a:endParaRPr lang="en-US">
               <a:solidFill>
@@ -6269,7 +6269,7 @@
                 </a:solidFill>
               </a:rPr>
               <a:pPr/>
-              <a:t>6/29/2020</a:t>
+              <a:t>7/2/2020</a:t>
             </a:fld>
             <a:endParaRPr lang="en-US">
               <a:solidFill>
@@ -6737,7 +6737,7 @@
           <a:p>
             <a:fld id="{A251EF10-EBB3-4BF3-BF18-D021BCA22A9F}" type="datetimeFigureOut">
               <a:rPr lang="en-US" smtClean="0"/>
-              <a:t>6/29/2020</a:t>
+              <a:t>7/2/2020</a:t>
             </a:fld>
             <a:endParaRPr lang="en-US"/>
           </a:p>
@@ -7000,7 +7000,7 @@
           <a:p>
             <a:fld id="{A251EF10-EBB3-4BF3-BF18-D021BCA22A9F}" type="datetimeFigureOut">
               <a:rPr lang="en-US" smtClean="0"/>
-              <a:t>6/29/2020</a:t>
+              <a:t>7/2/2020</a:t>
             </a:fld>
             <a:endParaRPr lang="en-US"/>
           </a:p>
@@ -7377,7 +7377,7 @@
           <a:p>
             <a:fld id="{A251EF10-EBB3-4BF3-BF18-D021BCA22A9F}" type="datetimeFigureOut">
               <a:rPr lang="en-US" smtClean="0"/>
-              <a:t>6/29/2020</a:t>
+              <a:t>7/2/2020</a:t>
             </a:fld>
             <a:endParaRPr lang="en-US"/>
           </a:p>
@@ -7526,7 +7526,7 @@
           <a:p>
             <a:fld id="{A251EF10-EBB3-4BF3-BF18-D021BCA22A9F}" type="datetimeFigureOut">
               <a:rPr lang="en-US" smtClean="0"/>
-              <a:t>6/29/2020</a:t>
+              <a:t>7/2/2020</a:t>
             </a:fld>
             <a:endParaRPr lang="en-US"/>
           </a:p>
@@ -7616,7 +7616,7 @@
           <a:p>
             <a:fld id="{A251EF10-EBB3-4BF3-BF18-D021BCA22A9F}" type="datetimeFigureOut">
               <a:rPr lang="en-US" smtClean="0"/>
-              <a:t>6/29/2020</a:t>
+              <a:t>7/2/2020</a:t>
             </a:fld>
             <a:endParaRPr lang="en-US"/>
           </a:p>
@@ -7876,7 +7876,7 @@
           <a:p>
             <a:fld id="{A251EF10-EBB3-4BF3-BF18-D021BCA22A9F}" type="datetimeFigureOut">
               <a:rPr lang="en-US" smtClean="0"/>
-              <a:t>6/29/2020</a:t>
+              <a:t>7/2/2020</a:t>
             </a:fld>
             <a:endParaRPr lang="en-US"/>
           </a:p>
@@ -8163,7 +8163,7 @@
           <a:p>
             <a:fld id="{A251EF10-EBB3-4BF3-BF18-D021BCA22A9F}" type="datetimeFigureOut">
               <a:rPr lang="en-US" smtClean="0"/>
-              <a:t>6/29/2020</a:t>
+              <a:t>7/2/2020</a:t>
             </a:fld>
             <a:endParaRPr lang="en-US"/>
           </a:p>
@@ -8931,7 +8931,7 @@
           <a:p>
             <a:fld id="{A251EF10-EBB3-4BF3-BF18-D021BCA22A9F}" type="datetimeFigureOut">
               <a:rPr lang="en-US" smtClean="0"/>
-              <a:t>6/29/2020</a:t>
+              <a:t>7/2/2020</a:t>
             </a:fld>
             <a:endParaRPr lang="en-US"/>
           </a:p>
@@ -9714,7 +9714,7 @@
           <a:p>
             <a:fld id="{A251EF10-EBB3-4BF3-BF18-D021BCA22A9F}" type="datetimeFigureOut">
               <a:rPr lang="en-US" smtClean="0"/>
-              <a:t>6/29/2020</a:t>
+              <a:t>7/2/2020</a:t>
             </a:fld>
             <a:endParaRPr lang="en-US"/>
           </a:p>
@@ -11040,18 +11040,6 @@
           </a:lstStyle>
           <a:p>
             <a:r>
-              <a:rPr lang="en-US" sz="4000">
-                <a:effectLst>
-                  <a:outerShdw blurRad="50800" dist="38100" dir="2700000" algn="tl">
-                    <a:srgbClr val="000000">
-                      <a:alpha val="40000"/>
-                    </a:srgbClr>
-                  </a:outerShdw>
-                </a:effectLst>
-              </a:rPr>
-              <a:t>Gym </a:t>
-            </a:r>
-            <a:r>
               <a:rPr lang="en-US" sz="4000" dirty="0">
                 <a:effectLst>
                   <a:outerShdw blurRad="50800" dist="38100" dir="2700000" algn="tl">
@@ -11061,7 +11049,7 @@
                   </a:outerShdw>
                 </a:effectLst>
               </a:rPr>
-              <a:t>Management Software</a:t>
+              <a:t>Land Software</a:t>
             </a:r>
             <a:endParaRPr lang="en-US" sz="4800" dirty="0">
               <a:effectLst>
@@ -14146,7 +14134,7 @@
           <p:spPr bwMode="gray">
             <a:xfrm>
               <a:off x="7115471" y="583204"/>
-              <a:ext cx="1961241" cy="530932"/>
+              <a:ext cx="1961241" cy="623269"/>
             </a:xfrm>
             <a:prstGeom prst="rect">
               <a:avLst/>
@@ -14193,28 +14181,28 @@
             <a:p>
               <a:pPr algn="ctr"/>
               <a:r>
-                <a:rPr lang="en-US" sz="2000" dirty="0" err="1">
+                <a:rPr lang="en-US" sz="2400" dirty="0" err="1">
                   <a:latin typeface="Times New Roman" pitchFamily="18" charset="0"/>
                   <a:cs typeface="Times New Roman" pitchFamily="18" charset="0"/>
                 </a:rPr>
                 <a:t>CƠ</a:t>
               </a:r>
               <a:r>
-                <a:rPr lang="en-US" sz="2000" dirty="0">
+                <a:rPr lang="en-US" sz="2400" dirty="0">
                   <a:latin typeface="Times New Roman" pitchFamily="18" charset="0"/>
                   <a:cs typeface="Times New Roman" pitchFamily="18" charset="0"/>
                 </a:rPr>
                 <a:t> </a:t>
               </a:r>
               <a:r>
-                <a:rPr lang="en-US" sz="2000" dirty="0" err="1">
+                <a:rPr lang="en-US" sz="2400" dirty="0" err="1">
                   <a:latin typeface="Times New Roman" pitchFamily="18" charset="0"/>
                   <a:cs typeface="Times New Roman" pitchFamily="18" charset="0"/>
                 </a:rPr>
                 <a:t>SỞ</a:t>
               </a:r>
               <a:r>
-                <a:rPr lang="en-US" sz="2000" dirty="0">
+                <a:rPr lang="en-US" sz="2400" dirty="0">
                   <a:latin typeface="Times New Roman" pitchFamily="18" charset="0"/>
                   <a:cs typeface="Times New Roman" pitchFamily="18" charset="0"/>
                 </a:rPr>
@@ -14224,27 +14212,27 @@
             <a:p>
               <a:pPr algn="ctr"/>
               <a:r>
-                <a:rPr lang="en-US" sz="2000" dirty="0" err="1">
+                <a:rPr lang="en-US" sz="2400" dirty="0" err="1">
                   <a:latin typeface="Times New Roman" pitchFamily="18" charset="0"/>
                   <a:cs typeface="Times New Roman" pitchFamily="18" charset="0"/>
                 </a:rPr>
                 <a:t>LÝ</a:t>
               </a:r>
               <a:r>
-                <a:rPr lang="en-US" sz="2000" dirty="0">
+                <a:rPr lang="en-US" sz="2400" dirty="0">
                   <a:latin typeface="Times New Roman" pitchFamily="18" charset="0"/>
                   <a:cs typeface="Times New Roman" pitchFamily="18" charset="0"/>
                 </a:rPr>
                 <a:t> </a:t>
               </a:r>
               <a:r>
-                <a:rPr lang="en-US" sz="2000" dirty="0" err="1">
+                <a:rPr lang="en-US" sz="2400" dirty="0" err="1">
                   <a:latin typeface="Times New Roman" pitchFamily="18" charset="0"/>
                   <a:cs typeface="Times New Roman" pitchFamily="18" charset="0"/>
                 </a:rPr>
                 <a:t>LUẬN</a:t>
               </a:r>
-              <a:endParaRPr lang="en-US" sz="2000" dirty="0">
+              <a:endParaRPr lang="en-US" sz="2400" dirty="0">
                 <a:latin typeface="Times New Roman" pitchFamily="18" charset="0"/>
                 <a:cs typeface="Times New Roman" pitchFamily="18" charset="0"/>
               </a:endParaRPr>
@@ -15152,16 +15140,12 @@
             <a:p>
               <a:pPr algn="ctr"/>
               <a:r>
-                <a:rPr lang="en-US" sz="2400">
+                <a:rPr lang="en-US" sz="2400" dirty="0">
                   <a:latin typeface="Times New Roman" pitchFamily="18" charset="0"/>
                   <a:cs typeface="Times New Roman" pitchFamily="18" charset="0"/>
                 </a:rPr>
                 <a:t>GIAO DIỆN</a:t>
               </a:r>
-              <a:endParaRPr lang="en-US" sz="2400" dirty="0">
-                <a:latin typeface="Times New Roman" pitchFamily="18" charset="0"/>
-                <a:cs typeface="Times New Roman" pitchFamily="18" charset="0"/>
-              </a:endParaRPr>
             </a:p>
           </p:txBody>
         </p:sp>
@@ -17201,16 +17185,12 @@
             <a:p>
               <a:pPr algn="ctr"/>
               <a:r>
-                <a:rPr lang="en-US" sz="2400">
+                <a:rPr lang="en-US" sz="2400" dirty="0">
                   <a:latin typeface="Times New Roman" pitchFamily="18" charset="0"/>
                   <a:cs typeface="Times New Roman" pitchFamily="18" charset="0"/>
                 </a:rPr>
                 <a:t>THIẾT KẾ</a:t>
               </a:r>
-              <a:endParaRPr lang="en-US" sz="2400" dirty="0">
-                <a:latin typeface="Times New Roman" pitchFamily="18" charset="0"/>
-                <a:cs typeface="Times New Roman" pitchFamily="18" charset="0"/>
-              </a:endParaRPr>
             </a:p>
           </p:txBody>
         </p:sp>
@@ -20542,26 +20522,34 @@
       </p:sp>
       <p:pic>
         <p:nvPicPr>
-          <p:cNvPr id="7" name="Picture 6">
+          <p:cNvPr id="3" name="Picture 2">
             <a:extLst>
               <a:ext uri="{FF2B5EF4-FFF2-40B4-BE49-F238E27FC236}">
-                <a16:creationId xmlns:a16="http://schemas.microsoft.com/office/drawing/2014/main" id="{905245A6-B830-4F51-9857-42C10A2FBF9D}"/>
+                <a16:creationId xmlns:a16="http://schemas.microsoft.com/office/drawing/2014/main" id="{617D819F-33DC-4344-8F82-557E0257FF3D}"/>
               </a:ext>
             </a:extLst>
           </p:cNvPr>
-          <p:cNvPicPr/>
+          <p:cNvPicPr>
+            <a:picLocks noChangeAspect="1"/>
+          </p:cNvPicPr>
           <p:nvPr/>
         </p:nvPicPr>
         <p:blipFill>
-          <a:blip r:embed="rId4"/>
+          <a:blip r:embed="rId4">
+            <a:extLst>
+              <a:ext uri="{28A0092B-C50C-407E-A947-70E740481C1C}">
+                <a14:useLocalDpi xmlns:a14="http://schemas.microsoft.com/office/drawing/2010/main" val="0"/>
+              </a:ext>
+            </a:extLst>
+          </a:blip>
           <a:stretch>
             <a:fillRect/>
           </a:stretch>
         </p:blipFill>
         <p:spPr>
           <a:xfrm>
-            <a:off x="2665412" y="1447800"/>
-            <a:ext cx="6778472" cy="4800600"/>
+            <a:off x="1522412" y="1090443"/>
+            <a:ext cx="8897592" cy="5910822"/>
           </a:xfrm>
           <a:prstGeom prst="rect">
             <a:avLst/>
